--- a/Lecture/wk10.pptx
+++ b/Lecture/wk10.pptx
@@ -273,7 +273,7 @@
           <a:p>
             <a:fld id="{84BB3998-985A-4D94-B13E-1B64131194E0}" type="datetimeFigureOut">
               <a:rPr lang="en-US" smtClean="0"/>
-              <a:t>3/9/2020</a:t>
+              <a:t>3/20/21</a:t>
             </a:fld>
             <a:endParaRPr lang="en-US"/>
           </a:p>
@@ -471,7 +471,7 @@
           <a:p>
             <a:fld id="{84BB3998-985A-4D94-B13E-1B64131194E0}" type="datetimeFigureOut">
               <a:rPr lang="en-US" smtClean="0"/>
-              <a:t>3/9/2020</a:t>
+              <a:t>3/20/21</a:t>
             </a:fld>
             <a:endParaRPr lang="en-US"/>
           </a:p>
@@ -679,7 +679,7 @@
           <a:p>
             <a:fld id="{84BB3998-985A-4D94-B13E-1B64131194E0}" type="datetimeFigureOut">
               <a:rPr lang="en-US" smtClean="0"/>
-              <a:t>3/9/2020</a:t>
+              <a:t>3/20/21</a:t>
             </a:fld>
             <a:endParaRPr lang="en-US"/>
           </a:p>
@@ -877,7 +877,7 @@
           <a:p>
             <a:fld id="{84BB3998-985A-4D94-B13E-1B64131194E0}" type="datetimeFigureOut">
               <a:rPr lang="en-US" smtClean="0"/>
-              <a:t>3/9/2020</a:t>
+              <a:t>3/20/21</a:t>
             </a:fld>
             <a:endParaRPr lang="en-US"/>
           </a:p>
@@ -1152,7 +1152,7 @@
           <a:p>
             <a:fld id="{84BB3998-985A-4D94-B13E-1B64131194E0}" type="datetimeFigureOut">
               <a:rPr lang="en-US" smtClean="0"/>
-              <a:t>3/9/2020</a:t>
+              <a:t>3/20/21</a:t>
             </a:fld>
             <a:endParaRPr lang="en-US"/>
           </a:p>
@@ -1417,7 +1417,7 @@
           <a:p>
             <a:fld id="{84BB3998-985A-4D94-B13E-1B64131194E0}" type="datetimeFigureOut">
               <a:rPr lang="en-US" smtClean="0"/>
-              <a:t>3/9/2020</a:t>
+              <a:t>3/20/21</a:t>
             </a:fld>
             <a:endParaRPr lang="en-US"/>
           </a:p>
@@ -1829,7 +1829,7 @@
           <a:p>
             <a:fld id="{84BB3998-985A-4D94-B13E-1B64131194E0}" type="datetimeFigureOut">
               <a:rPr lang="en-US" smtClean="0"/>
-              <a:t>3/9/2020</a:t>
+              <a:t>3/20/21</a:t>
             </a:fld>
             <a:endParaRPr lang="en-US"/>
           </a:p>
@@ -1970,7 +1970,7 @@
           <a:p>
             <a:fld id="{84BB3998-985A-4D94-B13E-1B64131194E0}" type="datetimeFigureOut">
               <a:rPr lang="en-US" smtClean="0"/>
-              <a:t>3/9/2020</a:t>
+              <a:t>3/20/21</a:t>
             </a:fld>
             <a:endParaRPr lang="en-US"/>
           </a:p>
@@ -2083,7 +2083,7 @@
           <a:p>
             <a:fld id="{84BB3998-985A-4D94-B13E-1B64131194E0}" type="datetimeFigureOut">
               <a:rPr lang="en-US" smtClean="0"/>
-              <a:t>3/9/2020</a:t>
+              <a:t>3/20/21</a:t>
             </a:fld>
             <a:endParaRPr lang="en-US"/>
           </a:p>
@@ -2394,7 +2394,7 @@
           <a:p>
             <a:fld id="{84BB3998-985A-4D94-B13E-1B64131194E0}" type="datetimeFigureOut">
               <a:rPr lang="en-US" smtClean="0"/>
-              <a:t>3/9/2020</a:t>
+              <a:t>3/20/21</a:t>
             </a:fld>
             <a:endParaRPr lang="en-US"/>
           </a:p>
@@ -2682,7 +2682,7 @@
           <a:p>
             <a:fld id="{84BB3998-985A-4D94-B13E-1B64131194E0}" type="datetimeFigureOut">
               <a:rPr lang="en-US" smtClean="0"/>
-              <a:t>3/9/2020</a:t>
+              <a:t>3/20/21</a:t>
             </a:fld>
             <a:endParaRPr lang="en-US"/>
           </a:p>
@@ -2923,7 +2923,7 @@
           <a:p>
             <a:fld id="{84BB3998-985A-4D94-B13E-1B64131194E0}" type="datetimeFigureOut">
               <a:rPr lang="en-US" smtClean="0"/>
-              <a:t>3/9/2020</a:t>
+              <a:t>3/20/21</a:t>
             </a:fld>
             <a:endParaRPr lang="en-US"/>
           </a:p>
@@ -3507,21 +3507,33 @@
           <a:p>
             <a:pPr lvl="2"/>
             <a:r>
-              <a:rPr lang="en-US" dirty="0"/>
+              <a:rPr lang="en-US" dirty="0">
+                <a:highlight>
+                  <a:srgbClr val="FFFF00"/>
+                </a:highlight>
+              </a:rPr>
               <a:t>Add file or folder-level permissions</a:t>
             </a:r>
           </a:p>
           <a:p>
             <a:pPr lvl="2"/>
             <a:r>
-              <a:rPr lang="en-US" dirty="0"/>
+              <a:rPr lang="en-US" dirty="0">
+                <a:highlight>
+                  <a:srgbClr val="FFFF00"/>
+                </a:highlight>
+              </a:rPr>
               <a:t>Limit parent directory access</a:t>
             </a:r>
           </a:p>
           <a:p>
             <a:pPr lvl="2"/>
             <a:r>
-              <a:rPr lang="en-US" dirty="0"/>
+              <a:rPr lang="en-US" dirty="0">
+                <a:highlight>
+                  <a:srgbClr val="FFFF00"/>
+                </a:highlight>
+              </a:rPr>
               <a:t>Remove file access</a:t>
             </a:r>
           </a:p>
@@ -3535,15 +3547,27 @@
           <a:p>
             <a:pPr lvl="1"/>
             <a:r>
-              <a:rPr lang="en-US" dirty="0"/>
+              <a:rPr lang="en-US" dirty="0">
+                <a:highlight>
+                  <a:srgbClr val="FFFF00"/>
+                </a:highlight>
+              </a:rPr>
               <a:t>Change process ownership from root to other user (</a:t>
             </a:r>
             <a:r>
-              <a:rPr lang="en-US" dirty="0" err="1"/>
+              <a:rPr lang="en-US" dirty="0" err="1">
+                <a:highlight>
+                  <a:srgbClr val="FFFF00"/>
+                </a:highlight>
+              </a:rPr>
               <a:t>chown</a:t>
             </a:r>
             <a:r>
-              <a:rPr lang="en-US" dirty="0"/>
+              <a:rPr lang="en-US" dirty="0">
+                <a:highlight>
+                  <a:srgbClr val="FFFF00"/>
+                </a:highlight>
+              </a:rPr>
               <a:t>)</a:t>
             </a:r>
           </a:p>
@@ -3601,7 +3625,11 @@
           <a:lstStyle/>
           <a:p>
             <a:r>
-              <a:rPr lang="en-US" dirty="0"/>
+              <a:rPr lang="en-US" dirty="0">
+                <a:highlight>
+                  <a:srgbClr val="FFFF00"/>
+                </a:highlight>
+              </a:rPr>
               <a:t>Log and Audit</a:t>
             </a:r>
           </a:p>
@@ -3638,7 +3666,11 @@
           <a:p>
             <a:pPr lvl="1"/>
             <a:r>
-              <a:rPr lang="en-US" dirty="0"/>
+              <a:rPr lang="en-US" dirty="0">
+                <a:highlight>
+                  <a:srgbClr val="FFFF00"/>
+                </a:highlight>
+              </a:rPr>
               <a:t>Log</a:t>
             </a:r>
           </a:p>
@@ -3652,7 +3684,11 @@
           <a:p>
             <a:pPr lvl="1"/>
             <a:r>
-              <a:rPr lang="en-US" dirty="0"/>
+              <a:rPr lang="en-US" dirty="0">
+                <a:highlight>
+                  <a:srgbClr val="FFFF00"/>
+                </a:highlight>
+              </a:rPr>
               <a:t>Audit</a:t>
             </a:r>
           </a:p>
@@ -3747,7 +3783,11 @@
           <a:lstStyle/>
           <a:p>
             <a:r>
-              <a:rPr lang="en-US" dirty="0"/>
+              <a:rPr lang="en-US" dirty="0">
+                <a:highlight>
+                  <a:srgbClr val="FFFF00"/>
+                </a:highlight>
+              </a:rPr>
               <a:t>Provide Ongoing Vulnerability Scans</a:t>
             </a:r>
           </a:p>
@@ -3782,7 +3822,11 @@
           <a:p>
             <a:pPr lvl="1"/>
             <a:r>
-              <a:rPr lang="en-US" dirty="0"/>
+              <a:rPr lang="en-US" dirty="0">
+                <a:highlight>
+                  <a:srgbClr val="FFFF00"/>
+                </a:highlight>
+              </a:rPr>
               <a:t>Perform periodic vulnerability scans</a:t>
             </a:r>
           </a:p>
@@ -4527,15 +4571,35 @@
             <a:pPr lvl="1"/>
             <a:r>
               <a:rPr lang="en-US" dirty="0"/>
-              <a:t>Apply defense-in-depth (</a:t>
-            </a:r>
-            <a:r>
-              <a:rPr lang="en-US" dirty="0" err="1"/>
+              <a:t>Apply </a:t>
+            </a:r>
+            <a:r>
+              <a:rPr lang="en-US" dirty="0">
+                <a:highlight>
+                  <a:srgbClr val="FFFF00"/>
+                </a:highlight>
+              </a:rPr>
+              <a:t>defense-in-depth (</a:t>
+            </a:r>
+            <a:r>
+              <a:rPr lang="en-US" dirty="0" err="1">
+                <a:highlight>
+                  <a:srgbClr val="FFFF00"/>
+                </a:highlight>
+              </a:rPr>
               <a:t>DiD</a:t>
             </a:r>
             <a:r>
-              <a:rPr lang="en-US" dirty="0"/>
-              <a:t>) techniques</a:t>
+              <a:rPr lang="en-US" dirty="0">
+                <a:highlight>
+                  <a:srgbClr val="FFFF00"/>
+                </a:highlight>
+              </a:rPr>
+              <a:t>) </a:t>
+            </a:r>
+            <a:r>
+              <a:rPr lang="en-US" dirty="0"/>
+              <a:t>techniques</a:t>
             </a:r>
           </a:p>
           <a:p>
@@ -4646,15 +4710,27 @@
           <a:lstStyle/>
           <a:p>
             <a:r>
-              <a:rPr lang="en-US" dirty="0"/>
+              <a:rPr lang="en-US" dirty="0">
+                <a:highlight>
+                  <a:srgbClr val="FFFF00"/>
+                </a:highlight>
+              </a:rPr>
               <a:t>Defense-in-Depth (</a:t>
             </a:r>
             <a:r>
-              <a:rPr lang="en-US" dirty="0" err="1"/>
+              <a:rPr lang="en-US" dirty="0" err="1">
+                <a:highlight>
+                  <a:srgbClr val="FFFF00"/>
+                </a:highlight>
+              </a:rPr>
               <a:t>DiD</a:t>
             </a:r>
             <a:r>
-              <a:rPr lang="en-US" dirty="0"/>
+              <a:rPr lang="en-US" dirty="0">
+                <a:highlight>
+                  <a:srgbClr val="FFFF00"/>
+                </a:highlight>
+              </a:rPr>
               <a:t>)</a:t>
             </a:r>
           </a:p>
@@ -4696,7 +4772,11 @@
           <a:p>
             <a:pPr lvl="1"/>
             <a:r>
-              <a:rPr lang="en-US" dirty="0"/>
+              <a:rPr lang="en-US" dirty="0">
+                <a:highlight>
+                  <a:srgbClr val="FFFF00"/>
+                </a:highlight>
+              </a:rPr>
               <a:t>a series of layered mechanisms for protection </a:t>
             </a:r>
           </a:p>
@@ -4811,7 +4891,11 @@
           <a:lstStyle/>
           <a:p>
             <a:r>
-              <a:rPr lang="en-US" dirty="0"/>
+              <a:rPr lang="en-US" dirty="0">
+                <a:highlight>
+                  <a:srgbClr val="FFFF00"/>
+                </a:highlight>
+              </a:rPr>
               <a:t>Harden Before Deploying</a:t>
             </a:r>
           </a:p>
@@ -4848,7 +4932,11 @@
           <a:p>
             <a:pPr lvl="1"/>
             <a:r>
-              <a:rPr lang="en-US" dirty="0"/>
+              <a:rPr lang="en-US" dirty="0">
+                <a:highlight>
+                  <a:srgbClr val="FFFF00"/>
+                </a:highlight>
+              </a:rPr>
               <a:t>Ensure network is safe (Layer 3 of OSI model)</a:t>
             </a:r>
           </a:p>
@@ -4964,7 +5052,11 @@
           <a:lstStyle/>
           <a:p>
             <a:r>
-              <a:rPr lang="en-US" dirty="0"/>
+              <a:rPr lang="en-US" dirty="0">
+                <a:highlight>
+                  <a:srgbClr val="FFFF00"/>
+                </a:highlight>
+              </a:rPr>
               <a:t>Disable Unneeded Services</a:t>
             </a:r>
           </a:p>
@@ -5006,7 +5098,11 @@
           <a:p>
             <a:pPr lvl="1"/>
             <a:r>
-              <a:rPr lang="en-US" dirty="0"/>
+              <a:rPr lang="en-US" dirty="0">
+                <a:highlight>
+                  <a:srgbClr val="FFFF00"/>
+                </a:highlight>
+              </a:rPr>
               <a:t>Services run in background of OS</a:t>
             </a:r>
           </a:p>
@@ -5027,13 +5123,25 @@
           <a:p>
             <a:pPr lvl="2"/>
             <a:r>
-              <a:rPr lang="en-US" dirty="0"/>
+              <a:rPr lang="en-US" dirty="0">
+                <a:highlight>
+                  <a:srgbClr val="FFFF00"/>
+                </a:highlight>
+              </a:rPr>
               <a:t>If you’re not using it, lose it</a:t>
             </a:r>
             <a:br>
-              <a:rPr lang="en-US" dirty="0"/>
+              <a:rPr lang="en-US" dirty="0">
+                <a:highlight>
+                  <a:srgbClr val="FFFF00"/>
+                </a:highlight>
+              </a:rPr>
             </a:br>
-            <a:endParaRPr lang="en-US" dirty="0"/>
+            <a:endParaRPr lang="en-US" dirty="0">
+              <a:highlight>
+                <a:srgbClr val="FFFF00"/>
+              </a:highlight>
+            </a:endParaRPr>
           </a:p>
           <a:p>
             <a:r>
@@ -5236,7 +5344,11 @@
           <a:lstStyle/>
           <a:p>
             <a:r>
-              <a:rPr lang="en-US" dirty="0"/>
+              <a:rPr lang="en-US" dirty="0">
+                <a:highlight>
+                  <a:srgbClr val="FFFF00"/>
+                </a:highlight>
+              </a:rPr>
               <a:t>Lock Down the File System</a:t>
             </a:r>
           </a:p>
@@ -5273,8 +5385,16 @@
           <a:p>
             <a:pPr lvl="1"/>
             <a:r>
-              <a:rPr lang="en-US" dirty="0"/>
-              <a:t>Limit and/or remove access (permission) of file system files or folders </a:t>
+              <a:rPr lang="en-US" dirty="0">
+                <a:highlight>
+                  <a:srgbClr val="FFFF00"/>
+                </a:highlight>
+              </a:rPr>
+              <a:t>Limit and/or remove access </a:t>
+            </a:r>
+            <a:r>
+              <a:rPr lang="en-US" dirty="0"/>
+              <a:t>(permission) of file system files or folders </a:t>
             </a:r>
           </a:p>
           <a:p>
